--- a/lectures/08/Модель памяти и атомарные операции.pptx
+++ b/lectures/08/Модель памяти и атомарные операции.pptx
@@ -283,7 +283,7 @@
           <a:p>
             <a:fld id="{FED81A67-A27B-4083-940C-241E42A8E894}" type="datetimeFigureOut">
               <a:rPr lang="en-US" smtClean="0"/>
-              <a:t>3/17/2025</a:t>
+              <a:t>3/19/2025</a:t>
             </a:fld>
             <a:endParaRPr lang="en-US"/>
           </a:p>
@@ -1130,7 +1130,7 @@
           <a:p>
             <a:fld id="{93C95F23-F574-4C00-9B25-D94C8E69B068}" type="datetimeFigureOut">
               <a:rPr lang="en-US" smtClean="0"/>
-              <a:t>3/17/2025</a:t>
+              <a:t>3/19/2025</a:t>
             </a:fld>
             <a:endParaRPr lang="en-US"/>
           </a:p>
@@ -1328,7 +1328,7 @@
           <a:p>
             <a:fld id="{93C95F23-F574-4C00-9B25-D94C8E69B068}" type="datetimeFigureOut">
               <a:rPr lang="en-US" smtClean="0"/>
-              <a:t>3/17/2025</a:t>
+              <a:t>3/19/2025</a:t>
             </a:fld>
             <a:endParaRPr lang="en-US"/>
           </a:p>
@@ -1536,7 +1536,7 @@
           <a:p>
             <a:fld id="{93C95F23-F574-4C00-9B25-D94C8E69B068}" type="datetimeFigureOut">
               <a:rPr lang="en-US" smtClean="0"/>
-              <a:t>3/17/2025</a:t>
+              <a:t>3/19/2025</a:t>
             </a:fld>
             <a:endParaRPr lang="en-US"/>
           </a:p>
@@ -1734,7 +1734,7 @@
           <a:p>
             <a:fld id="{93C95F23-F574-4C00-9B25-D94C8E69B068}" type="datetimeFigureOut">
               <a:rPr lang="en-US" smtClean="0"/>
-              <a:t>3/17/2025</a:t>
+              <a:t>3/19/2025</a:t>
             </a:fld>
             <a:endParaRPr lang="en-US"/>
           </a:p>
@@ -2009,7 +2009,7 @@
           <a:p>
             <a:fld id="{93C95F23-F574-4C00-9B25-D94C8E69B068}" type="datetimeFigureOut">
               <a:rPr lang="en-US" smtClean="0"/>
-              <a:t>3/17/2025</a:t>
+              <a:t>3/19/2025</a:t>
             </a:fld>
             <a:endParaRPr lang="en-US"/>
           </a:p>
@@ -2274,7 +2274,7 @@
           <a:p>
             <a:fld id="{93C95F23-F574-4C00-9B25-D94C8E69B068}" type="datetimeFigureOut">
               <a:rPr lang="en-US" smtClean="0"/>
-              <a:t>3/17/2025</a:t>
+              <a:t>3/19/2025</a:t>
             </a:fld>
             <a:endParaRPr lang="en-US"/>
           </a:p>
@@ -2686,7 +2686,7 @@
           <a:p>
             <a:fld id="{93C95F23-F574-4C00-9B25-D94C8E69B068}" type="datetimeFigureOut">
               <a:rPr lang="en-US" smtClean="0"/>
-              <a:t>3/17/2025</a:t>
+              <a:t>3/19/2025</a:t>
             </a:fld>
             <a:endParaRPr lang="en-US"/>
           </a:p>
@@ -2827,7 +2827,7 @@
           <a:p>
             <a:fld id="{93C95F23-F574-4C00-9B25-D94C8E69B068}" type="datetimeFigureOut">
               <a:rPr lang="en-US" smtClean="0"/>
-              <a:t>3/17/2025</a:t>
+              <a:t>3/19/2025</a:t>
             </a:fld>
             <a:endParaRPr lang="en-US"/>
           </a:p>
@@ -2940,7 +2940,7 @@
           <a:p>
             <a:fld id="{93C95F23-F574-4C00-9B25-D94C8E69B068}" type="datetimeFigureOut">
               <a:rPr lang="en-US" smtClean="0"/>
-              <a:t>3/17/2025</a:t>
+              <a:t>3/19/2025</a:t>
             </a:fld>
             <a:endParaRPr lang="en-US"/>
           </a:p>
@@ -3251,7 +3251,7 @@
           <a:p>
             <a:fld id="{93C95F23-F574-4C00-9B25-D94C8E69B068}" type="datetimeFigureOut">
               <a:rPr lang="en-US" smtClean="0"/>
-              <a:t>3/17/2025</a:t>
+              <a:t>3/19/2025</a:t>
             </a:fld>
             <a:endParaRPr lang="en-US"/>
           </a:p>
@@ -3539,7 +3539,7 @@
           <a:p>
             <a:fld id="{93C95F23-F574-4C00-9B25-D94C8E69B068}" type="datetimeFigureOut">
               <a:rPr lang="en-US" smtClean="0"/>
-              <a:t>3/17/2025</a:t>
+              <a:t>3/19/2025</a:t>
             </a:fld>
             <a:endParaRPr lang="en-US"/>
           </a:p>
@@ -3780,7 +3780,7 @@
           <a:p>
             <a:fld id="{93C95F23-F574-4C00-9B25-D94C8E69B068}" type="datetimeFigureOut">
               <a:rPr lang="en-US" smtClean="0"/>
-              <a:t>3/17/2025</a:t>
+              <a:t>3/19/2025</a:t>
             </a:fld>
             <a:endParaRPr lang="en-US"/>
           </a:p>

--- a/lectures/08/Модель памяти и атомарные операции.pptx
+++ b/lectures/08/Модель памяти и атомарные операции.pptx
@@ -283,7 +283,7 @@
           <a:p>
             <a:fld id="{FED81A67-A27B-4083-940C-241E42A8E894}" type="datetimeFigureOut">
               <a:rPr lang="en-US" smtClean="0"/>
-              <a:t>3/19/2025</a:t>
+              <a:t>4/6/2025</a:t>
             </a:fld>
             <a:endParaRPr lang="en-US"/>
           </a:p>
@@ -983,6 +983,90 @@
 </p:notes>
 </file>
 
+<file path=ppt/notesSlides/notesSlide4.xml><?xml version="1.0" encoding="utf-8"?>
+<p:notes xmlns:a="http://schemas.openxmlformats.org/drawingml/2006/main" xmlns:r="http://schemas.openxmlformats.org/officeDocument/2006/relationships" xmlns:p="http://schemas.openxmlformats.org/presentationml/2006/main">
+  <p:cSld>
+    <p:spTree>
+      <p:nvGrpSpPr>
+        <p:cNvPr id="1" name=""/>
+        <p:cNvGrpSpPr/>
+        <p:nvPr/>
+      </p:nvGrpSpPr>
+      <p:grpSpPr>
+        <a:xfrm>
+          <a:off x="0" y="0"/>
+          <a:ext cx="0" cy="0"/>
+          <a:chOff x="0" y="0"/>
+          <a:chExt cx="0" cy="0"/>
+        </a:xfrm>
+      </p:grpSpPr>
+      <p:sp>
+        <p:nvSpPr>
+          <p:cNvPr id="2" name="Slide Image Placeholder 1"/>
+          <p:cNvSpPr>
+            <a:spLocks noGrp="1" noRot="1" noChangeAspect="1"/>
+          </p:cNvSpPr>
+          <p:nvPr>
+            <p:ph type="sldImg"/>
+          </p:nvPr>
+        </p:nvSpPr>
+        <p:spPr/>
+      </p:sp>
+      <p:sp>
+        <p:nvSpPr>
+          <p:cNvPr id="3" name="Notes Placeholder 2"/>
+          <p:cNvSpPr>
+            <a:spLocks noGrp="1"/>
+          </p:cNvSpPr>
+          <p:nvPr>
+            <p:ph type="body" idx="1"/>
+          </p:nvPr>
+        </p:nvSpPr>
+        <p:spPr/>
+        <p:txBody>
+          <a:bodyPr/>
+          <a:lstStyle/>
+          <a:p>
+            <a:endParaRPr lang="en-US" dirty="0"/>
+          </a:p>
+        </p:txBody>
+      </p:sp>
+      <p:sp>
+        <p:nvSpPr>
+          <p:cNvPr id="4" name="Slide Number Placeholder 3"/>
+          <p:cNvSpPr>
+            <a:spLocks noGrp="1"/>
+          </p:cNvSpPr>
+          <p:nvPr>
+            <p:ph type="sldNum" sz="quarter" idx="5"/>
+          </p:nvPr>
+        </p:nvSpPr>
+        <p:spPr/>
+        <p:txBody>
+          <a:bodyPr/>
+          <a:lstStyle/>
+          <a:p>
+            <a:fld id="{8740D86D-1409-43B0-8811-9A559436DAB5}" type="slidenum">
+              <a:rPr lang="en-US" smtClean="0"/>
+              <a:t>26</a:t>
+            </a:fld>
+            <a:endParaRPr lang="en-US"/>
+          </a:p>
+        </p:txBody>
+      </p:sp>
+    </p:spTree>
+    <p:extLst>
+      <p:ext uri="{BB962C8B-B14F-4D97-AF65-F5344CB8AC3E}">
+        <p14:creationId xmlns:p14="http://schemas.microsoft.com/office/powerpoint/2010/main" val="2703545817"/>
+      </p:ext>
+    </p:extLst>
+  </p:cSld>
+  <p:clrMapOvr>
+    <a:masterClrMapping/>
+  </p:clrMapOvr>
+</p:notes>
+</file>
+
 <file path=ppt/slideLayouts/slideLayout1.xml><?xml version="1.0" encoding="utf-8"?>
 <p:sldLayout xmlns:a="http://schemas.openxmlformats.org/drawingml/2006/main" xmlns:r="http://schemas.openxmlformats.org/officeDocument/2006/relationships" xmlns:p="http://schemas.openxmlformats.org/presentationml/2006/main" type="title" preserve="1">
   <p:cSld name="Title Slide">
@@ -1130,7 +1214,7 @@
           <a:p>
             <a:fld id="{93C95F23-F574-4C00-9B25-D94C8E69B068}" type="datetimeFigureOut">
               <a:rPr lang="en-US" smtClean="0"/>
-              <a:t>3/19/2025</a:t>
+              <a:t>4/6/2025</a:t>
             </a:fld>
             <a:endParaRPr lang="en-US"/>
           </a:p>
@@ -1328,7 +1412,7 @@
           <a:p>
             <a:fld id="{93C95F23-F574-4C00-9B25-D94C8E69B068}" type="datetimeFigureOut">
               <a:rPr lang="en-US" smtClean="0"/>
-              <a:t>3/19/2025</a:t>
+              <a:t>4/6/2025</a:t>
             </a:fld>
             <a:endParaRPr lang="en-US"/>
           </a:p>
@@ -1536,7 +1620,7 @@
           <a:p>
             <a:fld id="{93C95F23-F574-4C00-9B25-D94C8E69B068}" type="datetimeFigureOut">
               <a:rPr lang="en-US" smtClean="0"/>
-              <a:t>3/19/2025</a:t>
+              <a:t>4/6/2025</a:t>
             </a:fld>
             <a:endParaRPr lang="en-US"/>
           </a:p>
@@ -1734,7 +1818,7 @@
           <a:p>
             <a:fld id="{93C95F23-F574-4C00-9B25-D94C8E69B068}" type="datetimeFigureOut">
               <a:rPr lang="en-US" smtClean="0"/>
-              <a:t>3/19/2025</a:t>
+              <a:t>4/6/2025</a:t>
             </a:fld>
             <a:endParaRPr lang="en-US"/>
           </a:p>
@@ -2009,7 +2093,7 @@
           <a:p>
             <a:fld id="{93C95F23-F574-4C00-9B25-D94C8E69B068}" type="datetimeFigureOut">
               <a:rPr lang="en-US" smtClean="0"/>
-              <a:t>3/19/2025</a:t>
+              <a:t>4/6/2025</a:t>
             </a:fld>
             <a:endParaRPr lang="en-US"/>
           </a:p>
@@ -2274,7 +2358,7 @@
           <a:p>
             <a:fld id="{93C95F23-F574-4C00-9B25-D94C8E69B068}" type="datetimeFigureOut">
               <a:rPr lang="en-US" smtClean="0"/>
-              <a:t>3/19/2025</a:t>
+              <a:t>4/6/2025</a:t>
             </a:fld>
             <a:endParaRPr lang="en-US"/>
           </a:p>
@@ -2686,7 +2770,7 @@
           <a:p>
             <a:fld id="{93C95F23-F574-4C00-9B25-D94C8E69B068}" type="datetimeFigureOut">
               <a:rPr lang="en-US" smtClean="0"/>
-              <a:t>3/19/2025</a:t>
+              <a:t>4/6/2025</a:t>
             </a:fld>
             <a:endParaRPr lang="en-US"/>
           </a:p>
@@ -2827,7 +2911,7 @@
           <a:p>
             <a:fld id="{93C95F23-F574-4C00-9B25-D94C8E69B068}" type="datetimeFigureOut">
               <a:rPr lang="en-US" smtClean="0"/>
-              <a:t>3/19/2025</a:t>
+              <a:t>4/6/2025</a:t>
             </a:fld>
             <a:endParaRPr lang="en-US"/>
           </a:p>
@@ -2940,7 +3024,7 @@
           <a:p>
             <a:fld id="{93C95F23-F574-4C00-9B25-D94C8E69B068}" type="datetimeFigureOut">
               <a:rPr lang="en-US" smtClean="0"/>
-              <a:t>3/19/2025</a:t>
+              <a:t>4/6/2025</a:t>
             </a:fld>
             <a:endParaRPr lang="en-US"/>
           </a:p>
@@ -3251,7 +3335,7 @@
           <a:p>
             <a:fld id="{93C95F23-F574-4C00-9B25-D94C8E69B068}" type="datetimeFigureOut">
               <a:rPr lang="en-US" smtClean="0"/>
-              <a:t>3/19/2025</a:t>
+              <a:t>4/6/2025</a:t>
             </a:fld>
             <a:endParaRPr lang="en-US"/>
           </a:p>
@@ -3539,7 +3623,7 @@
           <a:p>
             <a:fld id="{93C95F23-F574-4C00-9B25-D94C8E69B068}" type="datetimeFigureOut">
               <a:rPr lang="en-US" smtClean="0"/>
-              <a:t>3/19/2025</a:t>
+              <a:t>4/6/2025</a:t>
             </a:fld>
             <a:endParaRPr lang="en-US"/>
           </a:p>
@@ -3780,7 +3864,7 @@
           <a:p>
             <a:fld id="{93C95F23-F574-4C00-9B25-D94C8E69B068}" type="datetimeFigureOut">
               <a:rPr lang="en-US" smtClean="0"/>
-              <a:t>3/19/2025</a:t>
+              <a:t>4/6/2025</a:t>
             </a:fld>
             <a:endParaRPr lang="en-US"/>
           </a:p>
